--- a/经典论文学习及其实验汇报——蔡烨华.pptx
+++ b/经典论文学习及其实验汇报——蔡烨华.pptx
@@ -8310,7 +8310,7 @@
         <p:spPr>
           <a:xfrm>
             <a:off x="669925" y="3263900"/>
-            <a:ext cx="10165080" cy="645160"/>
+            <a:ext cx="10292080" cy="645160"/>
           </a:xfrm>
           <a:prstGeom prst="rect">
             <a:avLst/>
@@ -8344,7 +8344,7 @@
             </a:r>
             <a:r>
               <a:rPr lang="en-US" altLang="zh-CN"/>
-              <a:t>5</a:t>
+              <a:t>13</a:t>
             </a:r>
             <a:r>
               <a:rPr lang="zh-CN" altLang="en-US"/>
